--- a/Sleeping analysis 2주차.pptx
+++ b/Sleeping analysis 2주차.pptx
@@ -109,6 +109,22 @@
       </a:defRPr>
     </a:lvl9pPr>
   </p:defaultTextStyle>
+  <p:extLst>
+    <p:ext uri="{EFAFB233-063F-42B5-8137-9DF3F51BA10A}">
+      <p15:sldGuideLst xmlns:p15="http://schemas.microsoft.com/office/powerpoint/2012/main">
+        <p15:guide id="1" orient="horz" pos="2160">
+          <p15:clr>
+            <a:srgbClr val="A4A3A4"/>
+          </p15:clr>
+        </p15:guide>
+        <p15:guide id="2" pos="2880">
+          <p15:clr>
+            <a:srgbClr val="A4A3A4"/>
+          </p15:clr>
+        </p15:guide>
+      </p15:sldGuideLst>
+    </p:ext>
+  </p:extLst>
 </p:presentation>
 </file>
 
@@ -3674,13 +3690,171 @@
         </p:nvSpPr>
         <p:spPr/>
         <p:txBody>
-          <a:bodyPr/>
-          <a:lstStyle/>
-          <a:p>
-            <a:endParaRPr lang="ko-KR" altLang="en-US"/>
-          </a:p>
-        </p:txBody>
-      </p:sp>
+          <a:bodyPr>
+            <a:normAutofit/>
+          </a:bodyPr>
+          <a:lstStyle/>
+          <a:p>
+            <a:r>
+              <a:rPr lang="ko-KR" altLang="en-US" sz="2000" dirty="0" smtClean="0"/>
+              <a:t>단순 축적 데이터는 </a:t>
+            </a:r>
+            <a:r>
+              <a:rPr lang="ko-KR" altLang="en-US" sz="2000" dirty="0" err="1" smtClean="0"/>
+              <a:t>클라우드에</a:t>
+            </a:r>
+            <a:r>
+              <a:rPr lang="ko-KR" altLang="en-US" sz="2000" dirty="0" smtClean="0"/>
+              <a:t> 바로 축적</a:t>
+            </a:r>
+            <a:endParaRPr lang="en-US" altLang="ko-KR" sz="2000" dirty="0" smtClean="0"/>
+          </a:p>
+          <a:p>
+            <a:r>
+              <a:rPr lang="ko-KR" altLang="en-US" sz="2000" dirty="0" smtClean="0"/>
+              <a:t>처리가 필요한 경우 </a:t>
+            </a:r>
+            <a:r>
+              <a:rPr lang="ko-KR" altLang="en-US" sz="2000" dirty="0" err="1" smtClean="0"/>
+              <a:t>라즈베리파이에서</a:t>
+            </a:r>
+            <a:r>
+              <a:rPr lang="ko-KR" altLang="en-US" sz="2000" dirty="0" smtClean="0"/>
+              <a:t> 처리</a:t>
+            </a:r>
+            <a:endParaRPr lang="en-US" altLang="ko-KR" sz="2000" dirty="0" smtClean="0"/>
+          </a:p>
+          <a:p>
+            <a:r>
+              <a:rPr lang="ko-KR" altLang="en-US" sz="2000" dirty="0" smtClean="0"/>
+              <a:t>복잡한 처리가 필요하다면 </a:t>
+            </a:r>
+            <a:r>
+              <a:rPr lang="ko-KR" altLang="en-US" sz="2000" dirty="0" err="1" smtClean="0"/>
+              <a:t>클라우드에서</a:t>
+            </a:r>
+            <a:r>
+              <a:rPr lang="ko-KR" altLang="en-US" sz="2000" dirty="0" smtClean="0"/>
+              <a:t> 처리</a:t>
+            </a:r>
+            <a:endParaRPr lang="en-US" altLang="ko-KR" sz="2000" dirty="0" smtClean="0"/>
+          </a:p>
+          <a:p>
+            <a:r>
+              <a:rPr lang="en-US" altLang="ko-KR" sz="2000" dirty="0" smtClean="0"/>
+              <a:t>AWS</a:t>
+            </a:r>
+            <a:r>
+              <a:rPr lang="ko-KR" altLang="en-US" sz="2000" dirty="0" smtClean="0"/>
+              <a:t>를 이용한 </a:t>
+            </a:r>
+            <a:r>
+              <a:rPr lang="ko-KR" altLang="en-US" sz="2000" dirty="0" err="1" smtClean="0"/>
+              <a:t>클라우딩</a:t>
+            </a:r>
+            <a:r>
+              <a:rPr lang="ko-KR" altLang="en-US" sz="2000" dirty="0" smtClean="0"/>
+              <a:t> 및 </a:t>
+            </a:r>
+            <a:r>
+              <a:rPr lang="en-US" altLang="ko-KR" sz="2000" dirty="0" smtClean="0"/>
+              <a:t>Firebase</a:t>
+            </a:r>
+            <a:r>
+              <a:rPr lang="ko-KR" altLang="en-US" sz="2000" dirty="0" smtClean="0"/>
+              <a:t>나 </a:t>
+            </a:r>
+            <a:r>
+              <a:rPr lang="en-US" altLang="ko-KR" sz="2000" dirty="0" smtClean="0"/>
+              <a:t>SQLite</a:t>
+            </a:r>
+            <a:r>
+              <a:rPr lang="ko-KR" altLang="en-US" sz="2000" dirty="0" smtClean="0"/>
+              <a:t>를 이용해 </a:t>
+            </a:r>
+            <a:r>
+              <a:rPr lang="en-US" altLang="ko-KR" sz="2000" dirty="0" smtClean="0"/>
+              <a:t>DB </a:t>
+            </a:r>
+            <a:r>
+              <a:rPr lang="ko-KR" altLang="en-US" sz="2000" dirty="0" smtClean="0"/>
+              <a:t>축적</a:t>
+            </a:r>
+            <a:endParaRPr lang="ko-KR" altLang="en-US" sz="2000" dirty="0"/>
+          </a:p>
+        </p:txBody>
+      </p:sp>
+      <p:pic>
+        <p:nvPicPr>
+          <p:cNvPr id="5" name="그림 4"/>
+          <p:cNvPicPr>
+            <a:picLocks noChangeAspect="1"/>
+          </p:cNvPicPr>
+          <p:nvPr/>
+        </p:nvPicPr>
+        <p:blipFill>
+          <a:blip r:embed="rId2">
+            <a:extLst>
+              <a:ext uri="{28A0092B-C50C-407E-A947-70E740481C1C}">
+                <a14:useLocalDpi xmlns:a14="http://schemas.microsoft.com/office/drawing/2010/main" val="0"/>
+              </a:ext>
+            </a:extLst>
+          </a:blip>
+          <a:stretch>
+            <a:fillRect/>
+          </a:stretch>
+        </p:blipFill>
+        <p:spPr>
+          <a:xfrm>
+            <a:off x="899592" y="3872754"/>
+            <a:ext cx="2857500" cy="1028700"/>
+          </a:xfrm>
+          <a:prstGeom prst="rect">
+            <a:avLst/>
+          </a:prstGeom>
+        </p:spPr>
+      </p:pic>
+      <p:pic>
+        <p:nvPicPr>
+          <p:cNvPr id="1028" name="Picture 4" descr="aws logo에 대한 이미지 검색결과"/>
+          <p:cNvPicPr>
+            <a:picLocks noChangeAspect="1" noChangeArrowheads="1"/>
+          </p:cNvPicPr>
+          <p:nvPr/>
+        </p:nvPicPr>
+        <p:blipFill>
+          <a:blip r:embed="rId3" cstate="print">
+            <a:extLst>
+              <a:ext uri="{28A0092B-C50C-407E-A947-70E740481C1C}">
+                <a14:useLocalDpi xmlns:a14="http://schemas.microsoft.com/office/drawing/2010/main" val="0"/>
+              </a:ext>
+            </a:extLst>
+          </a:blip>
+          <a:srcRect/>
+          <a:stretch>
+            <a:fillRect/>
+          </a:stretch>
+        </p:blipFill>
+        <p:spPr bwMode="auto">
+          <a:xfrm>
+            <a:off x="5508104" y="4005064"/>
+            <a:ext cx="1728192" cy="1034215"/>
+          </a:xfrm>
+          <a:prstGeom prst="rect">
+            <a:avLst/>
+          </a:prstGeom>
+          <a:noFill/>
+          <a:extLst>
+            <a:ext uri="{909E8E84-426E-40DD-AFC4-6F175D3DCCD1}">
+              <a14:hiddenFill xmlns:a14="http://schemas.microsoft.com/office/drawing/2010/main">
+                <a:solidFill>
+                  <a:srgbClr val="FFFFFF"/>
+                </a:solidFill>
+              </a14:hiddenFill>
+            </a:ext>
+          </a:extLst>
+        </p:spPr>
+      </p:pic>
     </p:spTree>
   </p:cSld>
   <p:clrMapOvr>

--- a/Sleeping analysis 2주차.pptx
+++ b/Sleeping analysis 2주차.pptx
@@ -309,7 +309,7 @@
           <a:p>
             <a:fld id="{1AC90F4A-AB0E-4670-89B1-A0DAF52731A9}" type="datetimeFigureOut">
               <a:rPr lang="ko-KR" altLang="en-US" smtClean="0"/>
-              <a:t>2019-11-22</a:t>
+              <a:t>2019-11-25</a:t>
             </a:fld>
             <a:endParaRPr lang="ko-KR" altLang="en-US"/>
           </a:p>
@@ -474,7 +474,7 @@
           <a:p>
             <a:fld id="{1AC90F4A-AB0E-4670-89B1-A0DAF52731A9}" type="datetimeFigureOut">
               <a:rPr lang="ko-KR" altLang="en-US" smtClean="0"/>
-              <a:t>2019-11-22</a:t>
+              <a:t>2019-11-25</a:t>
             </a:fld>
             <a:endParaRPr lang="ko-KR" altLang="en-US"/>
           </a:p>
@@ -649,7 +649,7 @@
           <a:p>
             <a:fld id="{1AC90F4A-AB0E-4670-89B1-A0DAF52731A9}" type="datetimeFigureOut">
               <a:rPr lang="ko-KR" altLang="en-US" smtClean="0"/>
-              <a:t>2019-11-22</a:t>
+              <a:t>2019-11-25</a:t>
             </a:fld>
             <a:endParaRPr lang="ko-KR" altLang="en-US"/>
           </a:p>
@@ -814,7 +814,7 @@
           <a:p>
             <a:fld id="{1AC90F4A-AB0E-4670-89B1-A0DAF52731A9}" type="datetimeFigureOut">
               <a:rPr lang="ko-KR" altLang="en-US" smtClean="0"/>
-              <a:t>2019-11-22</a:t>
+              <a:t>2019-11-25</a:t>
             </a:fld>
             <a:endParaRPr lang="ko-KR" altLang="en-US"/>
           </a:p>
@@ -1055,7 +1055,7 @@
           <a:p>
             <a:fld id="{1AC90F4A-AB0E-4670-89B1-A0DAF52731A9}" type="datetimeFigureOut">
               <a:rPr lang="ko-KR" altLang="en-US" smtClean="0"/>
-              <a:t>2019-11-22</a:t>
+              <a:t>2019-11-25</a:t>
             </a:fld>
             <a:endParaRPr lang="ko-KR" altLang="en-US"/>
           </a:p>
@@ -1338,7 +1338,7 @@
           <a:p>
             <a:fld id="{1AC90F4A-AB0E-4670-89B1-A0DAF52731A9}" type="datetimeFigureOut">
               <a:rPr lang="ko-KR" altLang="en-US" smtClean="0"/>
-              <a:t>2019-11-22</a:t>
+              <a:t>2019-11-25</a:t>
             </a:fld>
             <a:endParaRPr lang="ko-KR" altLang="en-US"/>
           </a:p>
@@ -1755,7 +1755,7 @@
           <a:p>
             <a:fld id="{1AC90F4A-AB0E-4670-89B1-A0DAF52731A9}" type="datetimeFigureOut">
               <a:rPr lang="ko-KR" altLang="en-US" smtClean="0"/>
-              <a:t>2019-11-22</a:t>
+              <a:t>2019-11-25</a:t>
             </a:fld>
             <a:endParaRPr lang="ko-KR" altLang="en-US"/>
           </a:p>
@@ -1868,7 +1868,7 @@
           <a:p>
             <a:fld id="{1AC90F4A-AB0E-4670-89B1-A0DAF52731A9}" type="datetimeFigureOut">
               <a:rPr lang="ko-KR" altLang="en-US" smtClean="0"/>
-              <a:t>2019-11-22</a:t>
+              <a:t>2019-11-25</a:t>
             </a:fld>
             <a:endParaRPr lang="ko-KR" altLang="en-US"/>
           </a:p>
@@ -1958,7 +1958,7 @@
           <a:p>
             <a:fld id="{1AC90F4A-AB0E-4670-89B1-A0DAF52731A9}" type="datetimeFigureOut">
               <a:rPr lang="ko-KR" altLang="en-US" smtClean="0"/>
-              <a:t>2019-11-22</a:t>
+              <a:t>2019-11-25</a:t>
             </a:fld>
             <a:endParaRPr lang="ko-KR" altLang="en-US"/>
           </a:p>
@@ -2230,7 +2230,7 @@
           <a:p>
             <a:fld id="{1AC90F4A-AB0E-4670-89B1-A0DAF52731A9}" type="datetimeFigureOut">
               <a:rPr lang="ko-KR" altLang="en-US" smtClean="0"/>
-              <a:t>2019-11-22</a:t>
+              <a:t>2019-11-25</a:t>
             </a:fld>
             <a:endParaRPr lang="ko-KR" altLang="en-US"/>
           </a:p>
@@ -2478,7 +2478,7 @@
           <a:p>
             <a:fld id="{1AC90F4A-AB0E-4670-89B1-A0DAF52731A9}" type="datetimeFigureOut">
               <a:rPr lang="ko-KR" altLang="en-US" smtClean="0"/>
-              <a:t>2019-11-22</a:t>
+              <a:t>2019-11-25</a:t>
             </a:fld>
             <a:endParaRPr lang="ko-KR" altLang="en-US"/>
           </a:p>
@@ -2686,7 +2686,7 @@
           <a:p>
             <a:fld id="{1AC90F4A-AB0E-4670-89B1-A0DAF52731A9}" type="datetimeFigureOut">
               <a:rPr lang="ko-KR" altLang="en-US" smtClean="0"/>
-              <a:t>2019-11-22</a:t>
+              <a:t>2019-11-25</a:t>
             </a:fld>
             <a:endParaRPr lang="ko-KR" altLang="en-US"/>
           </a:p>
@@ -3778,7 +3778,7 @@
             </a:r>
             <a:r>
               <a:rPr lang="ko-KR" altLang="en-US" sz="2000" dirty="0" smtClean="0"/>
-              <a:t>축적</a:t>
+              <a:t>관리</a:t>
             </a:r>
             <a:endParaRPr lang="ko-KR" altLang="en-US" sz="2000" dirty="0"/>
           </a:p>
@@ -3806,7 +3806,7 @@
         </p:blipFill>
         <p:spPr>
           <a:xfrm>
-            <a:off x="899592" y="3872754"/>
+            <a:off x="1115616" y="4082587"/>
             <a:ext cx="2857500" cy="1028700"/>
           </a:xfrm>
           <a:prstGeom prst="rect">
@@ -3837,7 +3837,7 @@
         </p:blipFill>
         <p:spPr bwMode="auto">
           <a:xfrm>
-            <a:off x="5508104" y="4005064"/>
+            <a:off x="6084168" y="4082587"/>
             <a:ext cx="1728192" cy="1034215"/>
           </a:xfrm>
           <a:prstGeom prst="rect">
